--- a/PPTs/L3 Intro to ML.pptx
+++ b/PPTs/L3 Intro to ML.pptx
@@ -5,7 +5,7 @@
     <p:sldMasterId id="2147483648" r:id="rId1"/>
   </p:sldMasterIdLst>
   <p:notesMasterIdLst>
-    <p:notesMasterId r:id="rId32"/>
+    <p:notesMasterId r:id="rId33"/>
   </p:notesMasterIdLst>
   <p:sldIdLst>
     <p:sldId id="376" r:id="rId2"/>
@@ -15,7 +15,7 @@
     <p:sldId id="386" r:id="rId6"/>
     <p:sldId id="383" r:id="rId7"/>
     <p:sldId id="384" r:id="rId8"/>
-    <p:sldId id="387" r:id="rId9"/>
+    <p:sldId id="920" r:id="rId9"/>
     <p:sldId id="917" r:id="rId10"/>
     <p:sldId id="390" r:id="rId11"/>
     <p:sldId id="389" r:id="rId12"/>
@@ -38,6 +38,7 @@
     <p:sldId id="910" r:id="rId29"/>
     <p:sldId id="911" r:id="rId30"/>
     <p:sldId id="912" r:id="rId31"/>
+    <p:sldId id="921" r:id="rId32"/>
   </p:sldIdLst>
   <p:sldSz cx="9144000" cy="6858000" type="screen4x3"/>
   <p:notesSz cx="6858000" cy="9144000"/>
@@ -178,7 +179,7 @@
             <p14:sldId id="386"/>
             <p14:sldId id="383"/>
             <p14:sldId id="384"/>
-            <p14:sldId id="387"/>
+            <p14:sldId id="920"/>
             <p14:sldId id="917"/>
             <p14:sldId id="390"/>
             <p14:sldId id="389"/>
@@ -201,6 +202,7 @@
             <p14:sldId id="910"/>
             <p14:sldId id="911"/>
             <p14:sldId id="912"/>
+            <p14:sldId id="921"/>
           </p14:sldIdLst>
         </p14:section>
       </p14:sectionLst>
@@ -6767,13 +6769,7 @@
                               <a:rPr lang="en-US" b="0" i="1" smtClean="0">
                                 <a:latin typeface="Cambria Math" panose="02040503050406030204" pitchFamily="18" charset="0"/>
                               </a:rPr>
-                              <m:t>−</m:t>
-                            </m:r>
-                            <m:r>
-                              <a:rPr lang="en-US" b="0" i="1" smtClean="0">
-                                <a:latin typeface="Cambria Math" panose="02040503050406030204" pitchFamily="18" charset="0"/>
-                              </a:rPr>
-                              <m:t>1</m:t>
+                              <m:t>−1</m:t>
                             </m:r>
                           </m:sub>
                         </m:sSub>
@@ -6781,13 +6777,7 @@
                           <a:rPr lang="en-US" b="0" i="1" smtClean="0">
                             <a:latin typeface="Cambria Math" panose="02040503050406030204" pitchFamily="18" charset="0"/>
                           </a:rPr>
-                          <m:t>+</m:t>
-                        </m:r>
-                        <m:r>
-                          <a:rPr lang="en-US" b="0" i="1" smtClean="0">
-                            <a:latin typeface="Cambria Math" panose="02040503050406030204" pitchFamily="18" charset="0"/>
-                          </a:rPr>
-                          <m:t>1</m:t>
+                          <m:t>+1</m:t>
                         </m:r>
                       </m:e>
                     </m:d>
@@ -6859,7 +6849,7 @@
                 </a14:m>
                 <a:r>
                   <a:rPr lang="en-US" dirty="0"/>
-                  <a:t> is the number of neurons at </a:t>
+                  <a:t> is the number of neurons at the </a:t>
                 </a:r>
                 <a:r>
                   <a:rPr lang="en-US" dirty="0" err="1"/>
@@ -8504,8 +8494,8 @@
           </a:p>
         </p:txBody>
       </p:sp>
-      <mc:AlternateContent xmlns:mc="http://schemas.openxmlformats.org/markup-compatibility/2006">
-        <mc:Choice xmlns:a14="http://schemas.microsoft.com/office/drawing/2010/main" Requires="a14">
+      <mc:AlternateContent xmlns:mc="http://schemas.openxmlformats.org/markup-compatibility/2006" xmlns:a14="http://schemas.microsoft.com/office/drawing/2010/main">
+        <mc:Choice Requires="a14">
           <p:sp>
             <p:nvSpPr>
               <p:cNvPr id="3" name="Content Placeholder 2">
@@ -9122,7 +9112,7 @@
             </p:txBody>
           </p:sp>
         </mc:Choice>
-        <mc:Fallback>
+        <mc:Fallback xmlns="">
           <p:sp>
             <p:nvSpPr>
               <p:cNvPr id="3" name="Content Placeholder 2">
@@ -9247,7 +9237,12 @@
             <p:ph type="title"/>
           </p:nvPr>
         </p:nvSpPr>
-        <p:spPr/>
+        <p:spPr>
+          <a:xfrm>
+            <a:off x="604156" y="274638"/>
+            <a:ext cx="8082643" cy="868362"/>
+          </a:xfrm>
+        </p:spPr>
         <p:txBody>
           <a:bodyPr/>
           <a:lstStyle/>
@@ -10712,6 +10707,45 @@
           </a:p>
         </p:txBody>
       </p:sp>
+      <p:pic>
+        <p:nvPicPr>
+          <p:cNvPr id="7" name="Graphic 6">
+            <a:extLst>
+              <a:ext uri="{FF2B5EF4-FFF2-40B4-BE49-F238E27FC236}">
+                <a16:creationId xmlns:a16="http://schemas.microsoft.com/office/drawing/2014/main" id="{CF558EA5-2B81-4629-9F54-6F242D93F1C1}"/>
+              </a:ext>
+            </a:extLst>
+          </p:cNvPr>
+          <p:cNvPicPr>
+            <a:picLocks noChangeAspect="1"/>
+          </p:cNvPicPr>
+          <p:nvPr/>
+        </p:nvPicPr>
+        <p:blipFill>
+          <a:blip r:embed="rId4">
+            <a:extLst>
+              <a:ext uri="{28A0092B-C50C-407E-A947-70E740481C1C}">
+                <a14:useLocalDpi xmlns:a14="http://schemas.microsoft.com/office/drawing/2010/main" val="0"/>
+              </a:ext>
+              <a:ext uri="{96DAC541-7B7A-43D3-8B79-37D633B846F1}">
+                <asvg:svgBlip xmlns:asvg="http://schemas.microsoft.com/office/drawing/2016/SVG/main" r:embed="rId5"/>
+              </a:ext>
+            </a:extLst>
+          </a:blip>
+          <a:stretch>
+            <a:fillRect/>
+          </a:stretch>
+        </p:blipFill>
+        <p:spPr>
+          <a:xfrm>
+            <a:off x="-107425" y="0"/>
+            <a:ext cx="1296144" cy="1296144"/>
+          </a:xfrm>
+          <a:prstGeom prst="rect">
+            <a:avLst/>
+          </a:prstGeom>
+        </p:spPr>
+      </p:pic>
     </p:spTree>
     <p:extLst>
       <p:ext uri="{BB962C8B-B14F-4D97-AF65-F5344CB8AC3E}">
@@ -13261,19 +13295,7 @@
                           <a:rPr lang="en-US" i="1">
                             <a:latin typeface="Cambria Math" panose="02040503050406030204" pitchFamily="18" charset="0"/>
                           </a:rPr>
-                          <m:t>100</m:t>
-                        </m:r>
-                        <m:r>
-                          <a:rPr lang="en-US" i="1">
-                            <a:latin typeface="Cambria Math" panose="02040503050406030204" pitchFamily="18" charset="0"/>
-                          </a:rPr>
-                          <m:t>+</m:t>
-                        </m:r>
-                        <m:r>
-                          <a:rPr lang="en-US" i="1">
-                            <a:latin typeface="Cambria Math" panose="02040503050406030204" pitchFamily="18" charset="0"/>
-                          </a:rPr>
-                          <m:t>700</m:t>
+                          <m:t>100+700</m:t>
                         </m:r>
                       </m:den>
                     </m:f>
@@ -13281,13 +13303,7 @@
                       <a:rPr lang="en-US" b="0" i="1" smtClean="0">
                         <a:latin typeface="Cambria Math" panose="02040503050406030204" pitchFamily="18" charset="0"/>
                       </a:rPr>
-                      <m:t>=.</m:t>
-                    </m:r>
-                    <m:r>
-                      <a:rPr lang="en-US" b="0" i="1" smtClean="0">
-                        <a:latin typeface="Cambria Math" panose="02040503050406030204" pitchFamily="18" charset="0"/>
-                      </a:rPr>
-                      <m:t>125</m:t>
+                      <m:t>=.125</m:t>
                     </m:r>
                   </m:oMath>
                 </a14:m>
@@ -13371,19 +13387,7 @@
                           <a:rPr lang="en-US" i="1">
                             <a:latin typeface="Cambria Math" panose="02040503050406030204" pitchFamily="18" charset="0"/>
                           </a:rPr>
-                          <m:t>100</m:t>
-                        </m:r>
-                        <m:r>
-                          <a:rPr lang="en-US" i="1">
-                            <a:latin typeface="Cambria Math" panose="02040503050406030204" pitchFamily="18" charset="0"/>
-                          </a:rPr>
-                          <m:t>+</m:t>
-                        </m:r>
-                        <m:r>
-                          <a:rPr lang="en-US" i="1">
-                            <a:latin typeface="Cambria Math" panose="02040503050406030204" pitchFamily="18" charset="0"/>
-                          </a:rPr>
-                          <m:t>200</m:t>
+                          <m:t>100+200</m:t>
                         </m:r>
                       </m:den>
                     </m:f>
@@ -13391,13 +13395,7 @@
                       <a:rPr lang="en-US" b="0" i="1" smtClean="0">
                         <a:latin typeface="Cambria Math" panose="02040503050406030204" pitchFamily="18" charset="0"/>
                       </a:rPr>
-                      <m:t>≈.</m:t>
-                    </m:r>
-                    <m:r>
-                      <a:rPr lang="en-US" b="0" i="1" smtClean="0">
-                        <a:latin typeface="Cambria Math" panose="02040503050406030204" pitchFamily="18" charset="0"/>
-                      </a:rPr>
-                      <m:t>333</m:t>
+                      <m:t>≈.333</m:t>
                     </m:r>
                   </m:oMath>
                 </a14:m>
@@ -13423,25 +13421,7 @@
                       <a:rPr lang="en-US" i="1">
                         <a:latin typeface="Cambria Math" panose="02040503050406030204" pitchFamily="18" charset="0"/>
                       </a:rPr>
-                      <m:t>1</m:t>
-                    </m:r>
-                    <m:r>
-                      <a:rPr lang="en-US" i="1">
-                        <a:latin typeface="Cambria Math" panose="02040503050406030204" pitchFamily="18" charset="0"/>
-                      </a:rPr>
-                      <m:t>=</m:t>
-                    </m:r>
-                    <m:r>
-                      <a:rPr lang="en-US" i="1">
-                        <a:latin typeface="Cambria Math" panose="02040503050406030204" pitchFamily="18" charset="0"/>
-                      </a:rPr>
-                      <m:t>2</m:t>
-                    </m:r>
-                    <m:r>
-                      <a:rPr lang="en-US" i="1">
-                        <a:latin typeface="Cambria Math" panose="02040503050406030204" pitchFamily="18" charset="0"/>
-                      </a:rPr>
-                      <m:t>∗</m:t>
+                      <m:t>1=2∗</m:t>
                     </m:r>
                     <m:f>
                       <m:fPr>
@@ -13519,19 +13499,7 @@
                       <a:rPr lang="en-US" b="0" i="1" smtClean="0">
                         <a:latin typeface="Cambria Math" panose="02040503050406030204" pitchFamily="18" charset="0"/>
                       </a:rPr>
-                      <m:t>=</m:t>
-                    </m:r>
-                    <m:r>
-                      <a:rPr lang="en-US" b="0" i="1" smtClean="0">
-                        <a:latin typeface="Cambria Math" panose="02040503050406030204" pitchFamily="18" charset="0"/>
-                      </a:rPr>
-                      <m:t>2</m:t>
-                    </m:r>
-                    <m:r>
-                      <a:rPr lang="en-US" b="0" i="1" smtClean="0">
-                        <a:latin typeface="Cambria Math" panose="02040503050406030204" pitchFamily="18" charset="0"/>
-                      </a:rPr>
-                      <m:t>∗</m:t>
+                      <m:t>=2∗</m:t>
                     </m:r>
                     <m:f>
                       <m:fPr>
@@ -13546,19 +13514,7 @@
                           <a:rPr lang="en-US" i="1">
                             <a:latin typeface="Cambria Math" panose="02040503050406030204" pitchFamily="18" charset="0"/>
                           </a:rPr>
-                          <m:t>.</m:t>
-                        </m:r>
-                        <m:r>
-                          <a:rPr lang="en-US" i="1">
-                            <a:latin typeface="Cambria Math" panose="02040503050406030204" pitchFamily="18" charset="0"/>
-                          </a:rPr>
-                          <m:t>333</m:t>
-                        </m:r>
-                        <m:r>
-                          <a:rPr lang="en-US" i="1">
-                            <a:latin typeface="Cambria Math" panose="02040503050406030204" pitchFamily="18" charset="0"/>
-                          </a:rPr>
-                          <m:t>∗.</m:t>
+                          <m:t>.333∗.</m:t>
                         </m:r>
                         <m:r>
                           <a:rPr lang="en-US" b="0" i="1" smtClean="0">
@@ -13572,25 +13528,7 @@
                           <a:rPr lang="en-US" i="1">
                             <a:latin typeface="Cambria Math" panose="02040503050406030204" pitchFamily="18" charset="0"/>
                           </a:rPr>
-                          <m:t>.</m:t>
-                        </m:r>
-                        <m:r>
-                          <a:rPr lang="en-US" i="1">
-                            <a:latin typeface="Cambria Math" panose="02040503050406030204" pitchFamily="18" charset="0"/>
-                          </a:rPr>
-                          <m:t>333</m:t>
-                        </m:r>
-                        <m:r>
-                          <a:rPr lang="en-US" i="1">
-                            <a:latin typeface="Cambria Math" panose="02040503050406030204" pitchFamily="18" charset="0"/>
-                          </a:rPr>
-                          <m:t>+.</m:t>
-                        </m:r>
-                        <m:r>
-                          <a:rPr lang="en-US" i="1">
-                            <a:latin typeface="Cambria Math" panose="02040503050406030204" pitchFamily="18" charset="0"/>
-                          </a:rPr>
-                          <m:t>125</m:t>
+                          <m:t>.333+.125</m:t>
                         </m:r>
                       </m:den>
                     </m:f>
@@ -13598,13 +13536,7 @@
                       <a:rPr lang="en-US" b="0" i="1" smtClean="0">
                         <a:latin typeface="Cambria Math" panose="02040503050406030204" pitchFamily="18" charset="0"/>
                       </a:rPr>
-                      <m:t>=.</m:t>
-                    </m:r>
-                    <m:r>
-                      <a:rPr lang="en-US" b="0" i="1" smtClean="0">
-                        <a:latin typeface="Cambria Math" panose="02040503050406030204" pitchFamily="18" charset="0"/>
-                      </a:rPr>
-                      <m:t>182</m:t>
+                      <m:t>=.182</m:t>
                     </m:r>
                   </m:oMath>
                 </a14:m>
@@ -13687,19 +13619,7 @@
                           <a:rPr lang="en-US" i="1">
                             <a:latin typeface="Cambria Math" panose="02040503050406030204" pitchFamily="18" charset="0"/>
                           </a:rPr>
-                          <m:t>700</m:t>
-                        </m:r>
-                        <m:r>
-                          <a:rPr lang="en-US" i="1">
-                            <a:latin typeface="Cambria Math" panose="02040503050406030204" pitchFamily="18" charset="0"/>
-                          </a:rPr>
-                          <m:t>+</m:t>
-                        </m:r>
-                        <m:r>
-                          <a:rPr lang="en-US" i="1">
-                            <a:latin typeface="Cambria Math" panose="02040503050406030204" pitchFamily="18" charset="0"/>
-                          </a:rPr>
-                          <m:t>9000</m:t>
+                          <m:t>700+9000</m:t>
                         </m:r>
                       </m:den>
                     </m:f>
@@ -13707,13 +13627,7 @@
                       <a:rPr lang="en-US" b="0" i="1" smtClean="0">
                         <a:latin typeface="Cambria Math" panose="02040503050406030204" pitchFamily="18" charset="0"/>
                       </a:rPr>
-                      <m:t>≈.</m:t>
-                    </m:r>
-                    <m:r>
-                      <a:rPr lang="en-US" b="0" i="1" smtClean="0">
-                        <a:latin typeface="Cambria Math" panose="02040503050406030204" pitchFamily="18" charset="0"/>
-                      </a:rPr>
-                      <m:t>072</m:t>
+                      <m:t>≈.072</m:t>
                     </m:r>
                   </m:oMath>
                 </a14:m>
@@ -13825,19 +13739,7 @@
                           <a:rPr lang="en-US" i="1">
                             <a:latin typeface="Cambria Math" panose="02040503050406030204" pitchFamily="18" charset="0"/>
                           </a:rPr>
-                          <m:t>100</m:t>
-                        </m:r>
-                        <m:r>
-                          <a:rPr lang="en-US" i="1">
-                            <a:latin typeface="Cambria Math" panose="02040503050406030204" pitchFamily="18" charset="0"/>
-                          </a:rPr>
-                          <m:t>+</m:t>
-                        </m:r>
-                        <m:r>
-                          <a:rPr lang="en-US" i="1">
-                            <a:latin typeface="Cambria Math" panose="02040503050406030204" pitchFamily="18" charset="0"/>
-                          </a:rPr>
-                          <m:t>9000</m:t>
+                          <m:t>100+9000</m:t>
                         </m:r>
                       </m:num>
                       <m:den>
@@ -13845,43 +13747,7 @@
                           <a:rPr lang="en-US" i="1">
                             <a:latin typeface="Cambria Math" panose="02040503050406030204" pitchFamily="18" charset="0"/>
                           </a:rPr>
-                          <m:t>100</m:t>
-                        </m:r>
-                        <m:r>
-                          <a:rPr lang="en-US" i="1">
-                            <a:latin typeface="Cambria Math" panose="02040503050406030204" pitchFamily="18" charset="0"/>
-                          </a:rPr>
-                          <m:t>+</m:t>
-                        </m:r>
-                        <m:r>
-                          <a:rPr lang="en-US" i="1">
-                            <a:latin typeface="Cambria Math" panose="02040503050406030204" pitchFamily="18" charset="0"/>
-                          </a:rPr>
-                          <m:t>9000</m:t>
-                        </m:r>
-                        <m:r>
-                          <a:rPr lang="en-US" i="1">
-                            <a:latin typeface="Cambria Math" panose="02040503050406030204" pitchFamily="18" charset="0"/>
-                          </a:rPr>
-                          <m:t>+</m:t>
-                        </m:r>
-                        <m:r>
-                          <a:rPr lang="en-US" i="1">
-                            <a:latin typeface="Cambria Math" panose="02040503050406030204" pitchFamily="18" charset="0"/>
-                          </a:rPr>
-                          <m:t>700</m:t>
-                        </m:r>
-                        <m:r>
-                          <a:rPr lang="en-US" i="1">
-                            <a:latin typeface="Cambria Math" panose="02040503050406030204" pitchFamily="18" charset="0"/>
-                          </a:rPr>
-                          <m:t>+</m:t>
-                        </m:r>
-                        <m:r>
-                          <a:rPr lang="en-US" i="1">
-                            <a:latin typeface="Cambria Math" panose="02040503050406030204" pitchFamily="18" charset="0"/>
-                          </a:rPr>
-                          <m:t>200</m:t>
+                          <m:t>100+9000+700+200</m:t>
                         </m:r>
                       </m:den>
                     </m:f>
@@ -13889,13 +13755,7 @@
                       <a:rPr lang="en-US" b="0" i="1" smtClean="0">
                         <a:latin typeface="Cambria Math" panose="02040503050406030204" pitchFamily="18" charset="0"/>
                       </a:rPr>
-                      <m:t>=.</m:t>
-                    </m:r>
-                    <m:r>
-                      <a:rPr lang="en-US" b="0" i="1" smtClean="0">
-                        <a:latin typeface="Cambria Math" panose="02040503050406030204" pitchFamily="18" charset="0"/>
-                      </a:rPr>
-                      <m:t>91</m:t>
+                      <m:t>=.91</m:t>
                     </m:r>
                   </m:oMath>
                 </a14:m>
@@ -23232,6 +23092,331 @@
 </p:sld>
 </file>
 
+<file path=ppt/slides/slide31.xml><?xml version="1.0" encoding="utf-8"?>
+<p:sld xmlns:a="http://schemas.openxmlformats.org/drawingml/2006/main" xmlns:r="http://schemas.openxmlformats.org/officeDocument/2006/relationships" xmlns:p="http://schemas.openxmlformats.org/presentationml/2006/main">
+  <p:cSld>
+    <p:spTree>
+      <p:nvGrpSpPr>
+        <p:cNvPr id="1" name=""/>
+        <p:cNvGrpSpPr/>
+        <p:nvPr/>
+      </p:nvGrpSpPr>
+      <p:grpSpPr>
+        <a:xfrm>
+          <a:off x="0" y="0"/>
+          <a:ext cx="0" cy="0"/>
+          <a:chOff x="0" y="0"/>
+          <a:chExt cx="0" cy="0"/>
+        </a:xfrm>
+      </p:grpSpPr>
+      <p:sp>
+        <p:nvSpPr>
+          <p:cNvPr id="2" name="Title 1">
+            <a:extLst>
+              <a:ext uri="{FF2B5EF4-FFF2-40B4-BE49-F238E27FC236}">
+                <a16:creationId xmlns:a16="http://schemas.microsoft.com/office/drawing/2014/main" id="{839CC5F7-32B9-4AF8-AFA1-79A1AE479DE7}"/>
+              </a:ext>
+            </a:extLst>
+          </p:cNvPr>
+          <p:cNvSpPr>
+            <a:spLocks noGrp="1"/>
+          </p:cNvSpPr>
+          <p:nvPr>
+            <p:ph type="title"/>
+          </p:nvPr>
+        </p:nvSpPr>
+        <p:spPr>
+          <a:xfrm>
+            <a:off x="457200" y="167237"/>
+            <a:ext cx="8229600" cy="868362"/>
+          </a:xfrm>
+        </p:spPr>
+        <p:txBody>
+          <a:bodyPr/>
+          <a:lstStyle/>
+          <a:p>
+            <a:r>
+              <a:rPr lang="en-US" sz="3600" dirty="0"/>
+              <a:t>Data Augmentation for Enlarging Training Dataset</a:t>
+            </a:r>
+            <a:endParaRPr lang="en-SE" sz="3600" dirty="0"/>
+          </a:p>
+        </p:txBody>
+      </p:sp>
+      <p:sp>
+        <p:nvSpPr>
+          <p:cNvPr id="3" name="Content Placeholder 2">
+            <a:extLst>
+              <a:ext uri="{FF2B5EF4-FFF2-40B4-BE49-F238E27FC236}">
+                <a16:creationId xmlns:a16="http://schemas.microsoft.com/office/drawing/2014/main" id="{D3A25C07-8F5E-4768-9F3A-B5147D2E58FB}"/>
+              </a:ext>
+            </a:extLst>
+          </p:cNvPr>
+          <p:cNvSpPr>
+            <a:spLocks noGrp="1"/>
+          </p:cNvSpPr>
+          <p:nvPr>
+            <p:ph idx="1"/>
+          </p:nvPr>
+        </p:nvSpPr>
+        <p:spPr>
+          <a:xfrm>
+            <a:off x="76200" y="1295400"/>
+            <a:ext cx="3190989" cy="5105400"/>
+          </a:xfrm>
+        </p:spPr>
+        <p:txBody>
+          <a:bodyPr/>
+          <a:lstStyle/>
+          <a:p>
+            <a:r>
+              <a:rPr lang="en-US" dirty="0"/>
+              <a:t>Mirroring, random cropping, color shifting, rotation, shearing, local warping…</a:t>
+            </a:r>
+            <a:endParaRPr lang="en-SE" dirty="0"/>
+          </a:p>
+        </p:txBody>
+      </p:sp>
+      <p:sp>
+        <p:nvSpPr>
+          <p:cNvPr id="4" name="Slide Number Placeholder 3">
+            <a:extLst>
+              <a:ext uri="{FF2B5EF4-FFF2-40B4-BE49-F238E27FC236}">
+                <a16:creationId xmlns:a16="http://schemas.microsoft.com/office/drawing/2014/main" id="{095E5821-6F92-463C-971A-FFF0CF585CD2}"/>
+              </a:ext>
+            </a:extLst>
+          </p:cNvPr>
+          <p:cNvSpPr>
+            <a:spLocks noGrp="1"/>
+          </p:cNvSpPr>
+          <p:nvPr>
+            <p:ph type="sldNum" sz="quarter" idx="12"/>
+          </p:nvPr>
+        </p:nvSpPr>
+        <p:spPr/>
+        <p:txBody>
+          <a:bodyPr/>
+          <a:lstStyle/>
+          <a:p>
+            <a:pPr>
+              <a:defRPr/>
+            </a:pPr>
+            <a:fld id="{F57F456A-00AF-44E6-8D70-638C0D0130FF}" type="slidenum">
+              <a:rPr lang="en-US" altLang="zh-CN" smtClean="0"/>
+              <a:pPr>
+                <a:defRPr/>
+              </a:pPr>
+              <a:t>31</a:t>
+            </a:fld>
+            <a:endParaRPr lang="en-US" altLang="zh-CN"/>
+          </a:p>
+        </p:txBody>
+      </p:sp>
+      <p:pic>
+        <p:nvPicPr>
+          <p:cNvPr id="6" name="Picture 5">
+            <a:extLst>
+              <a:ext uri="{FF2B5EF4-FFF2-40B4-BE49-F238E27FC236}">
+                <a16:creationId xmlns:a16="http://schemas.microsoft.com/office/drawing/2014/main" id="{6AB8C166-4DB3-463A-A02E-37D7D46D9F58}"/>
+              </a:ext>
+            </a:extLst>
+          </p:cNvPr>
+          <p:cNvPicPr>
+            <a:picLocks noChangeAspect="1"/>
+          </p:cNvPicPr>
+          <p:nvPr/>
+        </p:nvPicPr>
+        <p:blipFill>
+          <a:blip r:embed="rId2"/>
+          <a:stretch>
+            <a:fillRect/>
+          </a:stretch>
+        </p:blipFill>
+        <p:spPr>
+          <a:xfrm>
+            <a:off x="3420290" y="1177283"/>
+            <a:ext cx="5510892" cy="1506082"/>
+          </a:xfrm>
+          <a:prstGeom prst="rect">
+            <a:avLst/>
+          </a:prstGeom>
+        </p:spPr>
+      </p:pic>
+      <p:pic>
+        <p:nvPicPr>
+          <p:cNvPr id="10" name="Picture 9">
+            <a:extLst>
+              <a:ext uri="{FF2B5EF4-FFF2-40B4-BE49-F238E27FC236}">
+                <a16:creationId xmlns:a16="http://schemas.microsoft.com/office/drawing/2014/main" id="{BB1DC1D5-08BF-4AEC-8FC6-9774FE89965C}"/>
+              </a:ext>
+            </a:extLst>
+          </p:cNvPr>
+          <p:cNvPicPr>
+            <a:picLocks noChangeAspect="1"/>
+          </p:cNvPicPr>
+          <p:nvPr/>
+        </p:nvPicPr>
+        <p:blipFill>
+          <a:blip r:embed="rId3"/>
+          <a:stretch>
+            <a:fillRect/>
+          </a:stretch>
+        </p:blipFill>
+        <p:spPr>
+          <a:xfrm>
+            <a:off x="3333063" y="2683365"/>
+            <a:ext cx="4763052" cy="2346568"/>
+          </a:xfrm>
+          <a:prstGeom prst="rect">
+            <a:avLst/>
+          </a:prstGeom>
+        </p:spPr>
+      </p:pic>
+      <p:pic>
+        <p:nvPicPr>
+          <p:cNvPr id="14" name="Picture 13">
+            <a:extLst>
+              <a:ext uri="{FF2B5EF4-FFF2-40B4-BE49-F238E27FC236}">
+                <a16:creationId xmlns:a16="http://schemas.microsoft.com/office/drawing/2014/main" id="{D4FA51B8-70C8-450A-8829-B834BE1995F1}"/>
+              </a:ext>
+            </a:extLst>
+          </p:cNvPr>
+          <p:cNvPicPr>
+            <a:picLocks noChangeAspect="1"/>
+          </p:cNvPicPr>
+          <p:nvPr/>
+        </p:nvPicPr>
+        <p:blipFill>
+          <a:blip r:embed="rId4"/>
+          <a:stretch>
+            <a:fillRect/>
+          </a:stretch>
+        </p:blipFill>
+        <p:spPr>
+          <a:xfrm>
+            <a:off x="3420290" y="5139191"/>
+            <a:ext cx="1962424" cy="1390844"/>
+          </a:xfrm>
+          <a:prstGeom prst="rect">
+            <a:avLst/>
+          </a:prstGeom>
+        </p:spPr>
+      </p:pic>
+      <p:pic>
+        <p:nvPicPr>
+          <p:cNvPr id="16" name="Picture 15">
+            <a:extLst>
+              <a:ext uri="{FF2B5EF4-FFF2-40B4-BE49-F238E27FC236}">
+                <a16:creationId xmlns:a16="http://schemas.microsoft.com/office/drawing/2014/main" id="{9A17DBAA-C02F-4490-8FF2-3790D9CEA812}"/>
+              </a:ext>
+            </a:extLst>
+          </p:cNvPr>
+          <p:cNvPicPr>
+            <a:picLocks noChangeAspect="1"/>
+          </p:cNvPicPr>
+          <p:nvPr/>
+        </p:nvPicPr>
+        <p:blipFill>
+          <a:blip r:embed="rId5"/>
+          <a:stretch>
+            <a:fillRect/>
+          </a:stretch>
+        </p:blipFill>
+        <p:spPr>
+          <a:xfrm>
+            <a:off x="7124429" y="5121109"/>
+            <a:ext cx="1943371" cy="1352739"/>
+          </a:xfrm>
+          <a:prstGeom prst="rect">
+            <a:avLst/>
+          </a:prstGeom>
+        </p:spPr>
+      </p:pic>
+      <p:pic>
+        <p:nvPicPr>
+          <p:cNvPr id="20" name="Picture 19">
+            <a:extLst>
+              <a:ext uri="{FF2B5EF4-FFF2-40B4-BE49-F238E27FC236}">
+                <a16:creationId xmlns:a16="http://schemas.microsoft.com/office/drawing/2014/main" id="{6855FF0A-1EFC-492B-BF4B-03EEDA524149}"/>
+              </a:ext>
+            </a:extLst>
+          </p:cNvPr>
+          <p:cNvPicPr>
+            <a:picLocks noChangeAspect="1"/>
+          </p:cNvPicPr>
+          <p:nvPr/>
+        </p:nvPicPr>
+        <p:blipFill>
+          <a:blip r:embed="rId6"/>
+          <a:stretch>
+            <a:fillRect/>
+          </a:stretch>
+        </p:blipFill>
+        <p:spPr>
+          <a:xfrm>
+            <a:off x="5585103" y="5758402"/>
+            <a:ext cx="1181265" cy="152421"/>
+          </a:xfrm>
+          <a:prstGeom prst="rect">
+            <a:avLst/>
+          </a:prstGeom>
+        </p:spPr>
+      </p:pic>
+      <p:sp>
+        <p:nvSpPr>
+          <p:cNvPr id="21" name="TextBox 20">
+            <a:extLst>
+              <a:ext uri="{FF2B5EF4-FFF2-40B4-BE49-F238E27FC236}">
+                <a16:creationId xmlns:a16="http://schemas.microsoft.com/office/drawing/2014/main" id="{41B96095-2299-48B8-8FEC-19DC101F9137}"/>
+              </a:ext>
+            </a:extLst>
+          </p:cNvPr>
+          <p:cNvSpPr txBox="1"/>
+          <p:nvPr/>
+        </p:nvSpPr>
+        <p:spPr>
+          <a:xfrm>
+            <a:off x="3573390" y="4747940"/>
+            <a:ext cx="1656223" cy="400110"/>
+          </a:xfrm>
+          <a:prstGeom prst="rect">
+            <a:avLst/>
+          </a:prstGeom>
+          <a:noFill/>
+        </p:spPr>
+        <p:txBody>
+          <a:bodyPr wrap="none" rtlCol="0">
+            <a:spAutoFit/>
+          </a:bodyPr>
+          <a:lstStyle/>
+          <a:p>
+            <a:r>
+              <a:rPr lang="en-US" sz="2000" dirty="0">
+                <a:latin typeface="Times New Roman" panose="02020603050405020304" pitchFamily="18" charset="0"/>
+                <a:cs typeface="Times New Roman" panose="02020603050405020304" pitchFamily="18" charset="0"/>
+              </a:rPr>
+              <a:t>Color Shifting</a:t>
+            </a:r>
+            <a:endParaRPr lang="en-SE" sz="2000" dirty="0">
+              <a:latin typeface="Times New Roman" panose="02020603050405020304" pitchFamily="18" charset="0"/>
+              <a:cs typeface="Times New Roman" panose="02020603050405020304" pitchFamily="18" charset="0"/>
+            </a:endParaRPr>
+          </a:p>
+        </p:txBody>
+      </p:sp>
+    </p:spTree>
+    <p:extLst>
+      <p:ext uri="{BB962C8B-B14F-4D97-AF65-F5344CB8AC3E}">
+        <p14:creationId xmlns:p14="http://schemas.microsoft.com/office/powerpoint/2010/main" val="2489697956"/>
+      </p:ext>
+    </p:extLst>
+  </p:cSld>
+  <p:clrMapOvr>
+    <a:masterClrMapping/>
+  </p:clrMapOvr>
+</p:sld>
+</file>
+
 <file path=ppt/slides/slide4.xml><?xml version="1.0" encoding="utf-8"?>
 <p:sld xmlns:a="http://schemas.openxmlformats.org/drawingml/2006/main" xmlns:r="http://schemas.openxmlformats.org/officeDocument/2006/relationships" xmlns:p="http://schemas.openxmlformats.org/presentationml/2006/main">
   <p:cSld>
@@ -23645,8 +23830,8 @@
           </a:p>
         </p:txBody>
       </p:sp>
-      <mc:AlternateContent xmlns:mc="http://schemas.openxmlformats.org/markup-compatibility/2006">
-        <mc:Choice xmlns:a14="http://schemas.microsoft.com/office/drawing/2010/main" Requires="a14">
+      <mc:AlternateContent xmlns:mc="http://schemas.openxmlformats.org/markup-compatibility/2006" xmlns:a14="http://schemas.microsoft.com/office/drawing/2010/main">
+        <mc:Choice Requires="a14">
           <p:sp>
             <p:nvSpPr>
               <p:cNvPr id="3" name="Content Placeholder 2">
@@ -23987,7 +24172,7 @@
             </p:txBody>
           </p:sp>
         </mc:Choice>
-        <mc:Fallback>
+        <mc:Fallback xmlns="">
           <p:sp>
             <p:nvSpPr>
               <p:cNvPr id="3" name="Content Placeholder 2">
@@ -25138,8 +25323,8 @@
           </a:p>
         </p:txBody>
       </p:sp>
-      <mc:AlternateContent xmlns:mc="http://schemas.openxmlformats.org/markup-compatibility/2006">
-        <mc:Choice xmlns:a14="http://schemas.microsoft.com/office/drawing/2010/main" Requires="a14">
+      <mc:AlternateContent xmlns:mc="http://schemas.openxmlformats.org/markup-compatibility/2006" xmlns:a14="http://schemas.microsoft.com/office/drawing/2010/main">
+        <mc:Choice Requires="a14">
           <p:sp>
             <p:nvSpPr>
               <p:cNvPr id="3" name="Content Placeholder 2">
@@ -25548,7 +25733,7 @@
             </p:txBody>
           </p:sp>
         </mc:Choice>
-        <mc:Fallback>
+        <mc:Fallback xmlns="">
           <p:sp>
             <p:nvSpPr>
               <p:cNvPr id="3" name="Content Placeholder 2">
@@ -27192,7 +27377,7 @@
           <p:cNvPr id="2" name="Title 1">
             <a:extLst>
               <a:ext uri="{FF2B5EF4-FFF2-40B4-BE49-F238E27FC236}">
-                <a16:creationId xmlns:a16="http://schemas.microsoft.com/office/drawing/2014/main" id="{33A67122-4D5F-4D63-8E6A-D11D0E37DEB9}"/>
+                <a16:creationId xmlns:a16="http://schemas.microsoft.com/office/drawing/2014/main" id="{20924AD5-B7F2-48E4-A388-4CB7F128651D}"/>
               </a:ext>
             </a:extLst>
           </p:cNvPr>
@@ -27203,21 +27388,16 @@
             <p:ph type="title"/>
           </p:nvPr>
         </p:nvSpPr>
-        <p:spPr>
-          <a:xfrm>
-            <a:off x="457200" y="183277"/>
-            <a:ext cx="8229600" cy="868362"/>
-          </a:xfrm>
-        </p:spPr>
+        <p:spPr/>
         <p:txBody>
           <a:bodyPr/>
           <a:lstStyle/>
           <a:p>
             <a:r>
-              <a:rPr lang="en-US" sz="3600" dirty="0"/>
+              <a:rPr lang="en-US" sz="4000" dirty="0"/>
               <a:t>Common Activation Functions used in DL</a:t>
             </a:r>
-            <a:endParaRPr lang="en-SE" sz="3600" dirty="0"/>
+            <a:endParaRPr lang="en-SE" dirty="0"/>
           </a:p>
         </p:txBody>
       </p:sp>
@@ -27226,7 +27406,7 @@
           <p:cNvPr id="3" name="Content Placeholder 2">
             <a:extLst>
               <a:ext uri="{FF2B5EF4-FFF2-40B4-BE49-F238E27FC236}">
-                <a16:creationId xmlns:a16="http://schemas.microsoft.com/office/drawing/2014/main" id="{BE41985D-E0B1-42E8-8055-1E5264766E2F}"/>
+                <a16:creationId xmlns:a16="http://schemas.microsoft.com/office/drawing/2014/main" id="{DEE0E5FC-F635-49C5-9214-0B48B809468F}"/>
               </a:ext>
             </a:extLst>
           </p:cNvPr>
@@ -27242,7 +27422,7 @@
           <a:bodyPr/>
           <a:lstStyle/>
           <a:p>
-            <a:endParaRPr lang="en-SE" dirty="0"/>
+            <a:endParaRPr lang="en-SE"/>
           </a:p>
         </p:txBody>
       </p:sp>
@@ -27251,7 +27431,7 @@
           <p:cNvPr id="4" name="Slide Number Placeholder 3">
             <a:extLst>
               <a:ext uri="{FF2B5EF4-FFF2-40B4-BE49-F238E27FC236}">
-                <a16:creationId xmlns:a16="http://schemas.microsoft.com/office/drawing/2014/main" id="{84991425-E186-4853-8EF4-81476B1E3800}"/>
+                <a16:creationId xmlns:a16="http://schemas.microsoft.com/office/drawing/2014/main" id="{65F4817F-40D2-4CFD-8510-E05971ACB74E}"/>
               </a:ext>
             </a:extLst>
           </p:cNvPr>
@@ -27283,10 +27463,10 @@
       </p:sp>
       <p:pic>
         <p:nvPicPr>
-          <p:cNvPr id="2052" name="Picture 4" descr="Image">
+          <p:cNvPr id="1026" name="Picture 2">
             <a:extLst>
               <a:ext uri="{FF2B5EF4-FFF2-40B4-BE49-F238E27FC236}">
-                <a16:creationId xmlns:a16="http://schemas.microsoft.com/office/drawing/2014/main" id="{189A7944-E9F4-489E-94EF-BA47511E4892}"/>
+                <a16:creationId xmlns:a16="http://schemas.microsoft.com/office/drawing/2014/main" id="{22E8E145-6539-4E17-A117-36D9AF851493}"/>
               </a:ext>
             </a:extLst>
           </p:cNvPr>
@@ -27310,55 +27490,8 @@
         </p:blipFill>
         <p:spPr bwMode="auto">
           <a:xfrm>
-            <a:off x="4933395" y="1135129"/>
-            <a:ext cx="2798224" cy="2324484"/>
-          </a:xfrm>
-          <a:prstGeom prst="rect">
-            <a:avLst/>
-          </a:prstGeom>
-          <a:noFill/>
-          <a:extLst>
-            <a:ext uri="{909E8E84-426E-40DD-AFC4-6F175D3DCCD1}">
-              <a14:hiddenFill xmlns:a14="http://schemas.microsoft.com/office/drawing/2010/main">
-                <a:solidFill>
-                  <a:srgbClr val="FFFFFF"/>
-                </a:solidFill>
-              </a14:hiddenFill>
-            </a:ext>
-          </a:extLst>
-        </p:spPr>
-      </p:pic>
-      <p:pic>
-        <p:nvPicPr>
-          <p:cNvPr id="2056" name="Picture 8" descr="Image">
-            <a:extLst>
-              <a:ext uri="{FF2B5EF4-FFF2-40B4-BE49-F238E27FC236}">
-                <a16:creationId xmlns:a16="http://schemas.microsoft.com/office/drawing/2014/main" id="{6E054244-9413-4E7F-A6AF-89431A17AC06}"/>
-              </a:ext>
-            </a:extLst>
-          </p:cNvPr>
-          <p:cNvPicPr>
-            <a:picLocks noChangeAspect="1" noChangeArrowheads="1"/>
-          </p:cNvPicPr>
-          <p:nvPr/>
-        </p:nvPicPr>
-        <p:blipFill>
-          <a:blip r:embed="rId3">
-            <a:extLst>
-              <a:ext uri="{28A0092B-C50C-407E-A947-70E740481C1C}">
-                <a14:useLocalDpi xmlns:a14="http://schemas.microsoft.com/office/drawing/2010/main" val="0"/>
-              </a:ext>
-            </a:extLst>
-          </a:blip>
-          <a:srcRect/>
-          <a:stretch>
-            <a:fillRect/>
-          </a:stretch>
-        </p:blipFill>
-        <p:spPr bwMode="auto">
-          <a:xfrm>
-            <a:off x="480831" y="3775444"/>
-            <a:ext cx="7962320" cy="3082556"/>
+            <a:off x="0" y="1807142"/>
+            <a:ext cx="9144000" cy="3913187"/>
           </a:xfrm>
           <a:prstGeom prst="rect">
             <a:avLst/>
@@ -27377,45 +27510,10 @@
       </p:pic>
       <p:sp>
         <p:nvSpPr>
-          <p:cNvPr id="10" name="object 2">
-            <a:extLst>
-              <a:ext uri="{FF2B5EF4-FFF2-40B4-BE49-F238E27FC236}">
-                <a16:creationId xmlns:a16="http://schemas.microsoft.com/office/drawing/2014/main" id="{9A6105EC-35F6-41E3-9694-DAC12F4B74F7}"/>
-              </a:ext>
-            </a:extLst>
-          </p:cNvPr>
-          <p:cNvSpPr/>
-          <p:nvPr/>
-        </p:nvSpPr>
-        <p:spPr>
-          <a:xfrm>
-            <a:off x="546470" y="872987"/>
-            <a:ext cx="3663123" cy="2747342"/>
-          </a:xfrm>
-          <a:prstGeom prst="rect">
-            <a:avLst/>
-          </a:prstGeom>
-          <a:blipFill>
-            <a:blip r:embed="rId4" cstate="print"/>
-            <a:stretch>
-              <a:fillRect/>
-            </a:stretch>
-          </a:blipFill>
-        </p:spPr>
-        <p:txBody>
-          <a:bodyPr wrap="square" lIns="0" tIns="0" rIns="0" bIns="0" rtlCol="0"/>
-          <a:lstStyle/>
-          <a:p>
-            <a:endParaRPr/>
-          </a:p>
-        </p:txBody>
-      </p:sp>
-      <p:sp>
-        <p:nvSpPr>
           <p:cNvPr id="7" name="TextBox 6">
             <a:extLst>
               <a:ext uri="{FF2B5EF4-FFF2-40B4-BE49-F238E27FC236}">
-                <a16:creationId xmlns:a16="http://schemas.microsoft.com/office/drawing/2014/main" id="{0553E1B7-A597-4F21-9441-89FEE0DBAD85}"/>
+                <a16:creationId xmlns:a16="http://schemas.microsoft.com/office/drawing/2014/main" id="{AB2D3C8A-28B1-4978-AAFD-0FF3DF7336E0}"/>
               </a:ext>
             </a:extLst>
           </p:cNvPr>
@@ -27424,8 +27522,8 @@
         </p:nvSpPr>
         <p:spPr>
           <a:xfrm>
-            <a:off x="1892879" y="3454772"/>
-            <a:ext cx="979755" cy="369332"/>
+            <a:off x="2257425" y="6553200"/>
+            <a:ext cx="4629150" cy="253916"/>
           </a:xfrm>
           <a:prstGeom prst="rect">
             <a:avLst/>
@@ -27433,135 +27531,22 @@
           <a:noFill/>
         </p:spPr>
         <p:txBody>
-          <a:bodyPr wrap="none" rtlCol="0">
+          <a:bodyPr wrap="square">
             <a:spAutoFit/>
           </a:bodyPr>
           <a:lstStyle/>
           <a:p>
             <a:r>
-              <a:rPr lang="en-US" dirty="0"/>
-              <a:t>sigmoid</a:t>
+              <a:rPr lang="en-SE" sz="1050" dirty="0"/>
+              <a:t>https://laptrinhx.com/complete-guide-of-activation-functions-574622854/</a:t>
             </a:r>
-            <a:endParaRPr lang="en-SE" dirty="0"/>
-          </a:p>
-        </p:txBody>
-      </p:sp>
-      <p:sp>
-        <p:nvSpPr>
-          <p:cNvPr id="12" name="TextBox 11">
-            <a:extLst>
-              <a:ext uri="{FF2B5EF4-FFF2-40B4-BE49-F238E27FC236}">
-                <a16:creationId xmlns:a16="http://schemas.microsoft.com/office/drawing/2014/main" id="{28C0C969-5D48-4220-BD5B-8D07F151C60C}"/>
-              </a:ext>
-            </a:extLst>
-          </p:cNvPr>
-          <p:cNvSpPr txBox="1"/>
-          <p:nvPr/>
-        </p:nvSpPr>
-        <p:spPr>
-          <a:xfrm>
-            <a:off x="5784154" y="3537170"/>
-            <a:ext cx="633507" cy="369332"/>
-          </a:xfrm>
-          <a:prstGeom prst="rect">
-            <a:avLst/>
-          </a:prstGeom>
-          <a:noFill/>
-        </p:spPr>
-        <p:txBody>
-          <a:bodyPr wrap="none" rtlCol="0">
-            <a:spAutoFit/>
-          </a:bodyPr>
-          <a:lstStyle/>
-          <a:p>
-            <a:r>
-              <a:rPr lang="en-US" dirty="0"/>
-              <a:t>tanh</a:t>
-            </a:r>
-            <a:endParaRPr lang="en-SE" dirty="0"/>
-          </a:p>
-        </p:txBody>
-      </p:sp>
-      <p:sp>
-        <p:nvSpPr>
-          <p:cNvPr id="13" name="TextBox 12">
-            <a:extLst>
-              <a:ext uri="{FF2B5EF4-FFF2-40B4-BE49-F238E27FC236}">
-                <a16:creationId xmlns:a16="http://schemas.microsoft.com/office/drawing/2014/main" id="{48473BF7-9FEA-418B-AAD8-97BE7A75E5CE}"/>
-              </a:ext>
-            </a:extLst>
-          </p:cNvPr>
-          <p:cNvSpPr txBox="1"/>
-          <p:nvPr/>
-        </p:nvSpPr>
-        <p:spPr>
-          <a:xfrm>
-            <a:off x="1977923" y="6467606"/>
-            <a:ext cx="800219" cy="369332"/>
-          </a:xfrm>
-          <a:prstGeom prst="rect">
-            <a:avLst/>
-          </a:prstGeom>
-          <a:noFill/>
-        </p:spPr>
-        <p:txBody>
-          <a:bodyPr wrap="none" rtlCol="0">
-            <a:spAutoFit/>
-          </a:bodyPr>
-          <a:lstStyle/>
-          <a:p>
-            <a:r>
-              <a:rPr lang="en-US" dirty="0" err="1"/>
-              <a:t>ReLU</a:t>
-            </a:r>
-            <a:endParaRPr lang="en-SE" dirty="0"/>
-          </a:p>
-        </p:txBody>
-      </p:sp>
-      <p:sp>
-        <p:nvSpPr>
-          <p:cNvPr id="14" name="TextBox 13">
-            <a:extLst>
-              <a:ext uri="{FF2B5EF4-FFF2-40B4-BE49-F238E27FC236}">
-                <a16:creationId xmlns:a16="http://schemas.microsoft.com/office/drawing/2014/main" id="{869E57C2-3D33-44B3-9392-13CE821E6471}"/>
-              </a:ext>
-            </a:extLst>
-          </p:cNvPr>
-          <p:cNvSpPr txBox="1"/>
-          <p:nvPr/>
-        </p:nvSpPr>
-        <p:spPr>
-          <a:xfrm>
-            <a:off x="5890332" y="6450959"/>
-            <a:ext cx="1479892" cy="369332"/>
-          </a:xfrm>
-          <a:prstGeom prst="rect">
-            <a:avLst/>
-          </a:prstGeom>
-          <a:noFill/>
-        </p:spPr>
-        <p:txBody>
-          <a:bodyPr wrap="none" rtlCol="0">
-            <a:spAutoFit/>
-          </a:bodyPr>
-          <a:lstStyle/>
-          <a:p>
-            <a:r>
-              <a:rPr lang="en-US" dirty="0"/>
-              <a:t>Leaky </a:t>
-            </a:r>
-            <a:r>
-              <a:rPr lang="en-US" dirty="0" err="1"/>
-              <a:t>ReLU</a:t>
-            </a:r>
-            <a:endParaRPr lang="en-SE" dirty="0"/>
           </a:p>
         </p:txBody>
       </p:sp>
     </p:spTree>
     <p:extLst>
       <p:ext uri="{BB962C8B-B14F-4D97-AF65-F5344CB8AC3E}">
-        <p14:creationId xmlns:p14="http://schemas.microsoft.com/office/powerpoint/2010/main" val="1006082299"/>
+        <p14:creationId xmlns:p14="http://schemas.microsoft.com/office/powerpoint/2010/main" val="4195726161"/>
       </p:ext>
     </p:extLst>
   </p:cSld>
